--- a/Slide/08-5- Break.pptx
+++ b/Slide/08-5- Break.pptx
@@ -6984,8 +6984,8 @@
         </p:nvSpPr>
         <p:spPr>
           <a:xfrm>
-            <a:off x="1202919" y="1919079"/>
-            <a:ext cx="9784080" cy="4979430"/>
+            <a:off x="1202919" y="1861204"/>
+            <a:ext cx="9784080" cy="5407696"/>
           </a:xfrm>
         </p:spPr>
         <p:txBody>
@@ -7108,6 +7108,16 @@
             <a:r>
               <a:rPr lang="en-US" b="1" u="sng" dirty="0"/>
               <a:t>Technical Evaluation!</a:t>
+            </a:r>
+          </a:p>
+          <a:p>
+            <a:pPr marL="514350" indent="-514350">
+              <a:buFont typeface="+mj-lt"/>
+              <a:buAutoNum type="arabicPeriod"/>
+            </a:pPr>
+            <a:r>
+              <a:rPr lang="en-US" dirty="0"/>
+              <a:t>Your score</a:t>
             </a:r>
           </a:p>
           <a:p>
@@ -8690,6 +8700,121 @@
                       </p:childTnLst>
                     </p:cTn>
                   </p:par>
+                  <p:par>
+                    <p:cTn id="94" fill="hold">
+                      <p:stCondLst>
+                        <p:cond delay="indefinite"/>
+                      </p:stCondLst>
+                      <p:childTnLst>
+                        <p:par>
+                          <p:cTn id="95" fill="hold">
+                            <p:stCondLst>
+                              <p:cond delay="0"/>
+                            </p:stCondLst>
+                            <p:childTnLst>
+                              <p:par>
+                                <p:cTn id="96" presetID="42" presetClass="entr" presetSubtype="0" fill="hold" nodeType="clickEffect">
+                                  <p:stCondLst>
+                                    <p:cond delay="0"/>
+                                  </p:stCondLst>
+                                  <p:childTnLst>
+                                    <p:set>
+                                      <p:cBhvr>
+                                        <p:cTn id="97" dur="1" fill="hold">
+                                          <p:stCondLst>
+                                            <p:cond delay="0"/>
+                                          </p:stCondLst>
+                                        </p:cTn>
+                                        <p:tgtEl>
+                                          <p:spTgt spid="3">
+                                            <p:txEl>
+                                              <p:pRg st="13" end="13"/>
+                                            </p:txEl>
+                                          </p:spTgt>
+                                        </p:tgtEl>
+                                        <p:attrNameLst>
+                                          <p:attrName>style.visibility</p:attrName>
+                                        </p:attrNameLst>
+                                      </p:cBhvr>
+                                      <p:to>
+                                        <p:strVal val="visible"/>
+                                      </p:to>
+                                    </p:set>
+                                    <p:animEffect transition="in" filter="fade">
+                                      <p:cBhvr>
+                                        <p:cTn id="98" dur="1000"/>
+                                        <p:tgtEl>
+                                          <p:spTgt spid="3">
+                                            <p:txEl>
+                                              <p:pRg st="13" end="13"/>
+                                            </p:txEl>
+                                          </p:spTgt>
+                                        </p:tgtEl>
+                                      </p:cBhvr>
+                                    </p:animEffect>
+                                    <p:anim calcmode="lin" valueType="num">
+                                      <p:cBhvr>
+                                        <p:cTn id="99" dur="1000" fill="hold"/>
+                                        <p:tgtEl>
+                                          <p:spTgt spid="3">
+                                            <p:txEl>
+                                              <p:pRg st="13" end="13"/>
+                                            </p:txEl>
+                                          </p:spTgt>
+                                        </p:tgtEl>
+                                        <p:attrNameLst>
+                                          <p:attrName>ppt_x</p:attrName>
+                                        </p:attrNameLst>
+                                      </p:cBhvr>
+                                      <p:tavLst>
+                                        <p:tav tm="0">
+                                          <p:val>
+                                            <p:strVal val="#ppt_x"/>
+                                          </p:val>
+                                        </p:tav>
+                                        <p:tav tm="100000">
+                                          <p:val>
+                                            <p:strVal val="#ppt_x"/>
+                                          </p:val>
+                                        </p:tav>
+                                      </p:tavLst>
+                                    </p:anim>
+                                    <p:anim calcmode="lin" valueType="num">
+                                      <p:cBhvr>
+                                        <p:cTn id="100" dur="1000" fill="hold"/>
+                                        <p:tgtEl>
+                                          <p:spTgt spid="3">
+                                            <p:txEl>
+                                              <p:pRg st="13" end="13"/>
+                                            </p:txEl>
+                                          </p:spTgt>
+                                        </p:tgtEl>
+                                        <p:attrNameLst>
+                                          <p:attrName>ppt_y</p:attrName>
+                                        </p:attrNameLst>
+                                      </p:cBhvr>
+                                      <p:tavLst>
+                                        <p:tav tm="0">
+                                          <p:val>
+                                            <p:strVal val="#ppt_y+.1"/>
+                                          </p:val>
+                                        </p:tav>
+                                        <p:tav tm="100000">
+                                          <p:val>
+                                            <p:strVal val="#ppt_y"/>
+                                          </p:val>
+                                        </p:tav>
+                                      </p:tavLst>
+                                    </p:anim>
+                                  </p:childTnLst>
+                                </p:cTn>
+                              </p:par>
+                            </p:childTnLst>
+                          </p:cTn>
+                        </p:par>
+                      </p:childTnLst>
+                    </p:cTn>
+                  </p:par>
                 </p:childTnLst>
               </p:cTn>
               <p:prevCondLst>
